--- a/document/object_flowmap.pptx
+++ b/document/object_flowmap.pptx
@@ -6,6 +6,7 @@
   </p:sldMasterIdLst>
   <p:sldIdLst>
     <p:sldId id="257" r:id="rId2"/>
+    <p:sldId id="258" r:id="rId3"/>
   </p:sldIdLst>
   <p:sldSz cx="12192000" cy="6858000"/>
   <p:notesSz cx="6858000" cy="9144000"/>
@@ -104,6 +105,11 @@
       </a:defRPr>
     </a:lvl9pPr>
   </p:defaultTextStyle>
+  <p:extLst>
+    <p:ext uri="{EFAFB233-063F-42B5-8137-9DF3F51BA10A}">
+      <p15:sldGuideLst xmlns:p15="http://schemas.microsoft.com/office/powerpoint/2012/main"/>
+    </p:ext>
+  </p:extLst>
 </p:presentation>
 </file>
 
@@ -254,7 +260,7 @@
           <a:p>
             <a:fld id="{BB02760B-A792-45D8-86DC-10AAE5A41FC0}" type="datetimeFigureOut">
               <a:rPr lang="ko-KR" altLang="en-US" smtClean="0"/>
-              <a:t>2024-09-16</a:t>
+              <a:t>2024-09-17</a:t>
             </a:fld>
             <a:endParaRPr lang="ko-KR" altLang="en-US"/>
           </a:p>
@@ -452,7 +458,7 @@
           <a:p>
             <a:fld id="{BB02760B-A792-45D8-86DC-10AAE5A41FC0}" type="datetimeFigureOut">
               <a:rPr lang="ko-KR" altLang="en-US" smtClean="0"/>
-              <a:t>2024-09-16</a:t>
+              <a:t>2024-09-17</a:t>
             </a:fld>
             <a:endParaRPr lang="ko-KR" altLang="en-US"/>
           </a:p>
@@ -660,7 +666,7 @@
           <a:p>
             <a:fld id="{BB02760B-A792-45D8-86DC-10AAE5A41FC0}" type="datetimeFigureOut">
               <a:rPr lang="ko-KR" altLang="en-US" smtClean="0"/>
-              <a:t>2024-09-16</a:t>
+              <a:t>2024-09-17</a:t>
             </a:fld>
             <a:endParaRPr lang="ko-KR" altLang="en-US"/>
           </a:p>
@@ -858,7 +864,7 @@
           <a:p>
             <a:fld id="{BB02760B-A792-45D8-86DC-10AAE5A41FC0}" type="datetimeFigureOut">
               <a:rPr lang="ko-KR" altLang="en-US" smtClean="0"/>
-              <a:t>2024-09-16</a:t>
+              <a:t>2024-09-17</a:t>
             </a:fld>
             <a:endParaRPr lang="ko-KR" altLang="en-US"/>
           </a:p>
@@ -1133,7 +1139,7 @@
           <a:p>
             <a:fld id="{BB02760B-A792-45D8-86DC-10AAE5A41FC0}" type="datetimeFigureOut">
               <a:rPr lang="ko-KR" altLang="en-US" smtClean="0"/>
-              <a:t>2024-09-16</a:t>
+              <a:t>2024-09-17</a:t>
             </a:fld>
             <a:endParaRPr lang="ko-KR" altLang="en-US"/>
           </a:p>
@@ -1398,7 +1404,7 @@
           <a:p>
             <a:fld id="{BB02760B-A792-45D8-86DC-10AAE5A41FC0}" type="datetimeFigureOut">
               <a:rPr lang="ko-KR" altLang="en-US" smtClean="0"/>
-              <a:t>2024-09-16</a:t>
+              <a:t>2024-09-17</a:t>
             </a:fld>
             <a:endParaRPr lang="ko-KR" altLang="en-US"/>
           </a:p>
@@ -1810,7 +1816,7 @@
           <a:p>
             <a:fld id="{BB02760B-A792-45D8-86DC-10AAE5A41FC0}" type="datetimeFigureOut">
               <a:rPr lang="ko-KR" altLang="en-US" smtClean="0"/>
-              <a:t>2024-09-16</a:t>
+              <a:t>2024-09-17</a:t>
             </a:fld>
             <a:endParaRPr lang="ko-KR" altLang="en-US"/>
           </a:p>
@@ -1951,7 +1957,7 @@
           <a:p>
             <a:fld id="{BB02760B-A792-45D8-86DC-10AAE5A41FC0}" type="datetimeFigureOut">
               <a:rPr lang="ko-KR" altLang="en-US" smtClean="0"/>
-              <a:t>2024-09-16</a:t>
+              <a:t>2024-09-17</a:t>
             </a:fld>
             <a:endParaRPr lang="ko-KR" altLang="en-US"/>
           </a:p>
@@ -2064,7 +2070,7 @@
           <a:p>
             <a:fld id="{BB02760B-A792-45D8-86DC-10AAE5A41FC0}" type="datetimeFigureOut">
               <a:rPr lang="ko-KR" altLang="en-US" smtClean="0"/>
-              <a:t>2024-09-16</a:t>
+              <a:t>2024-09-17</a:t>
             </a:fld>
             <a:endParaRPr lang="ko-KR" altLang="en-US"/>
           </a:p>
@@ -2375,7 +2381,7 @@
           <a:p>
             <a:fld id="{BB02760B-A792-45D8-86DC-10AAE5A41FC0}" type="datetimeFigureOut">
               <a:rPr lang="ko-KR" altLang="en-US" smtClean="0"/>
-              <a:t>2024-09-16</a:t>
+              <a:t>2024-09-17</a:t>
             </a:fld>
             <a:endParaRPr lang="ko-KR" altLang="en-US"/>
           </a:p>
@@ -2663,7 +2669,7 @@
           <a:p>
             <a:fld id="{BB02760B-A792-45D8-86DC-10AAE5A41FC0}" type="datetimeFigureOut">
               <a:rPr lang="ko-KR" altLang="en-US" smtClean="0"/>
-              <a:t>2024-09-16</a:t>
+              <a:t>2024-09-17</a:t>
             </a:fld>
             <a:endParaRPr lang="ko-KR" altLang="en-US"/>
           </a:p>
@@ -2904,7 +2910,7 @@
           <a:p>
             <a:fld id="{BB02760B-A792-45D8-86DC-10AAE5A41FC0}" type="datetimeFigureOut">
               <a:rPr lang="ko-KR" altLang="en-US" smtClean="0"/>
-              <a:t>2024-09-16</a:t>
+              <a:t>2024-09-17</a:t>
             </a:fld>
             <a:endParaRPr lang="ko-KR" altLang="en-US"/>
           </a:p>
@@ -3321,6 +3327,176 @@
           <a:chExt cx="0" cy="0"/>
         </a:xfrm>
       </p:grpSpPr>
+      <p:grpSp>
+        <p:nvGrpSpPr>
+          <p:cNvPr id="32" name="그룹 31">
+            <a:extLst>
+              <a:ext uri="{FF2B5EF4-FFF2-40B4-BE49-F238E27FC236}">
+                <a16:creationId xmlns:a16="http://schemas.microsoft.com/office/drawing/2014/main" id="{E7DDCDD5-3C3E-4008-A5D5-6520429BC0E2}"/>
+              </a:ext>
+            </a:extLst>
+          </p:cNvPr>
+          <p:cNvGrpSpPr/>
+          <p:nvPr/>
+        </p:nvGrpSpPr>
+        <p:grpSpPr>
+          <a:xfrm>
+            <a:off x="2270234" y="1488857"/>
+            <a:ext cx="740978" cy="3846784"/>
+            <a:chOff x="2270234" y="1488857"/>
+            <a:chExt cx="740978" cy="3846784"/>
+          </a:xfrm>
+        </p:grpSpPr>
+        <p:cxnSp>
+          <p:nvCxnSpPr>
+            <p:cNvPr id="30" name="연결선: 꺾임 29">
+              <a:extLst>
+                <a:ext uri="{FF2B5EF4-FFF2-40B4-BE49-F238E27FC236}">
+                  <a16:creationId xmlns:a16="http://schemas.microsoft.com/office/drawing/2014/main" id="{8A91503D-810C-45BC-A1AA-0A4EB02E5010}"/>
+                </a:ext>
+              </a:extLst>
+            </p:cNvPr>
+            <p:cNvCxnSpPr>
+              <a:cxnSpLocks/>
+              <a:stCxn id="19" idx="0"/>
+              <a:endCxn id="7" idx="1"/>
+            </p:cNvCxnSpPr>
+            <p:nvPr/>
+          </p:nvCxnSpPr>
+          <p:spPr>
+            <a:xfrm>
+              <a:off x="2640722" y="2820672"/>
+              <a:ext cx="370490" cy="2514969"/>
+            </a:xfrm>
+            <a:prstGeom prst="bentConnector3">
+              <a:avLst>
+                <a:gd name="adj1" fmla="val -133"/>
+              </a:avLst>
+            </a:prstGeom>
+            <a:ln w="19050">
+              <a:solidFill>
+                <a:schemeClr val="tx1"/>
+              </a:solidFill>
+              <a:tailEnd type="triangle"/>
+            </a:ln>
+          </p:spPr>
+          <p:style>
+            <a:lnRef idx="1">
+              <a:schemeClr val="accent1"/>
+            </a:lnRef>
+            <a:fillRef idx="0">
+              <a:schemeClr val="accent1"/>
+            </a:fillRef>
+            <a:effectRef idx="0">
+              <a:schemeClr val="accent1"/>
+            </a:effectRef>
+            <a:fontRef idx="minor">
+              <a:schemeClr val="tx1"/>
+            </a:fontRef>
+          </p:style>
+        </p:cxnSp>
+        <p:cxnSp>
+          <p:nvCxnSpPr>
+            <p:cNvPr id="20" name="연결선: 꺾임 19">
+              <a:extLst>
+                <a:ext uri="{FF2B5EF4-FFF2-40B4-BE49-F238E27FC236}">
+                  <a16:creationId xmlns:a16="http://schemas.microsoft.com/office/drawing/2014/main" id="{B56E9480-83D2-4086-97AF-2E079978A427}"/>
+                </a:ext>
+              </a:extLst>
+            </p:cNvPr>
+            <p:cNvCxnSpPr>
+              <a:cxnSpLocks/>
+              <a:stCxn id="2" idx="3"/>
+              <a:endCxn id="19" idx="2"/>
+            </p:cNvCxnSpPr>
+            <p:nvPr/>
+          </p:nvCxnSpPr>
+          <p:spPr>
+            <a:xfrm>
+              <a:off x="2270234" y="1488857"/>
+              <a:ext cx="370488" cy="1096071"/>
+            </a:xfrm>
+            <a:prstGeom prst="bentConnector3">
+              <a:avLst>
+                <a:gd name="adj1" fmla="val 100000"/>
+              </a:avLst>
+            </a:prstGeom>
+            <a:ln w="19050">
+              <a:solidFill>
+                <a:schemeClr val="tx1"/>
+              </a:solidFill>
+              <a:headEnd type="none" w="med" len="med"/>
+              <a:tailEnd type="none" w="med" len="med"/>
+            </a:ln>
+          </p:spPr>
+          <p:style>
+            <a:lnRef idx="1">
+              <a:schemeClr val="accent1"/>
+            </a:lnRef>
+            <a:fillRef idx="0">
+              <a:schemeClr val="accent1"/>
+            </a:fillRef>
+            <a:effectRef idx="0">
+              <a:schemeClr val="accent1"/>
+            </a:effectRef>
+            <a:fontRef idx="minor">
+              <a:schemeClr val="tx1"/>
+            </a:fontRef>
+          </p:style>
+        </p:cxnSp>
+        <p:sp>
+          <p:nvSpPr>
+            <p:cNvPr id="19" name="원호 18">
+              <a:extLst>
+                <a:ext uri="{FF2B5EF4-FFF2-40B4-BE49-F238E27FC236}">
+                  <a16:creationId xmlns:a16="http://schemas.microsoft.com/office/drawing/2014/main" id="{19102577-51A2-4328-A030-3B741101FB6A}"/>
+                </a:ext>
+              </a:extLst>
+            </p:cNvPr>
+            <p:cNvSpPr/>
+            <p:nvPr/>
+          </p:nvSpPr>
+          <p:spPr>
+            <a:xfrm rot="16200000">
+              <a:off x="2522850" y="2584928"/>
+              <a:ext cx="235744" cy="235744"/>
+            </a:xfrm>
+            <a:prstGeom prst="arc">
+              <a:avLst>
+                <a:gd name="adj1" fmla="val 10799991"/>
+                <a:gd name="adj2" fmla="val 0"/>
+              </a:avLst>
+            </a:prstGeom>
+            <a:ln w="19050">
+              <a:solidFill>
+                <a:schemeClr val="tx1"/>
+              </a:solidFill>
+            </a:ln>
+          </p:spPr>
+          <p:style>
+            <a:lnRef idx="1">
+              <a:schemeClr val="accent1"/>
+            </a:lnRef>
+            <a:fillRef idx="0">
+              <a:schemeClr val="accent1"/>
+            </a:fillRef>
+            <a:effectRef idx="0">
+              <a:schemeClr val="accent1"/>
+            </a:effectRef>
+            <a:fontRef idx="minor">
+              <a:schemeClr val="tx1"/>
+            </a:fontRef>
+          </p:style>
+          <p:txBody>
+            <a:bodyPr rtlCol="0" anchor="ctr"/>
+            <a:lstStyle/>
+            <a:p>
+              <a:pPr algn="ctr"/>
+              <a:endParaRPr lang="ko-KR" altLang="en-US"/>
+            </a:p>
+          </p:txBody>
+        </p:sp>
+      </p:grpSp>
       <p:sp>
         <p:nvSpPr>
           <p:cNvPr id="2" name="직사각형 1">
@@ -3882,9 +4058,9 @@
             <a:avLst/>
           </a:prstGeom>
           <a:solidFill>
-            <a:schemeClr val="accent1">
-              <a:lumMod val="40000"/>
-              <a:lumOff val="60000"/>
+            <a:schemeClr val="accent2">
+              <a:lumMod val="60000"/>
+              <a:lumOff val="40000"/>
             </a:schemeClr>
           </a:solidFill>
           <a:ln>
@@ -4051,51 +4227,6 @@
       </p:cxnSp>
       <p:cxnSp>
         <p:nvCxnSpPr>
-          <p:cNvPr id="14" name="연결선: 꺾임 13">
-            <a:extLst>
-              <a:ext uri="{FF2B5EF4-FFF2-40B4-BE49-F238E27FC236}">
-                <a16:creationId xmlns:a16="http://schemas.microsoft.com/office/drawing/2014/main" id="{F6DD523A-3118-4506-B7E3-F2AB885CA2B5}"/>
-              </a:ext>
-            </a:extLst>
-          </p:cNvPr>
-          <p:cNvCxnSpPr>
-            <a:stCxn id="2" idx="3"/>
-            <a:endCxn id="5" idx="1"/>
-          </p:cNvCxnSpPr>
-          <p:nvPr/>
-        </p:nvCxnSpPr>
-        <p:spPr>
-          <a:xfrm>
-            <a:off x="2270234" y="1488857"/>
-            <a:ext cx="740977" cy="1213944"/>
-          </a:xfrm>
-          <a:prstGeom prst="bentConnector3">
-            <a:avLst/>
-          </a:prstGeom>
-          <a:ln w="19050">
-            <a:solidFill>
-              <a:schemeClr val="tx1"/>
-            </a:solidFill>
-            <a:tailEnd type="triangle"/>
-          </a:ln>
-        </p:spPr>
-        <p:style>
-          <a:lnRef idx="1">
-            <a:schemeClr val="accent1"/>
-          </a:lnRef>
-          <a:fillRef idx="0">
-            <a:schemeClr val="accent1"/>
-          </a:fillRef>
-          <a:effectRef idx="0">
-            <a:schemeClr val="accent1"/>
-          </a:effectRef>
-          <a:fontRef idx="minor">
-            <a:schemeClr val="tx1"/>
-          </a:fontRef>
-        </p:style>
-      </p:cxnSp>
-      <p:cxnSp>
-        <p:nvCxnSpPr>
           <p:cNvPr id="18" name="직선 화살표 연결선 17">
             <a:extLst>
               <a:ext uri="{FF2B5EF4-FFF2-40B4-BE49-F238E27FC236}">
@@ -4188,52 +4319,6 @@
       </p:cxnSp>
       <p:cxnSp>
         <p:nvCxnSpPr>
-          <p:cNvPr id="28" name="직선 화살표 연결선 27">
-            <a:extLst>
-              <a:ext uri="{FF2B5EF4-FFF2-40B4-BE49-F238E27FC236}">
-                <a16:creationId xmlns:a16="http://schemas.microsoft.com/office/drawing/2014/main" id="{8356B15B-9A29-485B-9BAA-14652942897E}"/>
-              </a:ext>
-            </a:extLst>
-          </p:cNvPr>
-          <p:cNvCxnSpPr>
-            <a:cxnSpLocks/>
-            <a:stCxn id="6" idx="3"/>
-            <a:endCxn id="7" idx="1"/>
-          </p:cNvCxnSpPr>
-          <p:nvPr/>
-        </p:nvCxnSpPr>
-        <p:spPr>
-          <a:xfrm>
-            <a:off x="2270233" y="5335641"/>
-            <a:ext cx="740979" cy="0"/>
-          </a:xfrm>
-          <a:prstGeom prst="straightConnector1">
-            <a:avLst/>
-          </a:prstGeom>
-          <a:ln w="19050">
-            <a:solidFill>
-              <a:srgbClr val="FFC000"/>
-            </a:solidFill>
-            <a:tailEnd type="triangle"/>
-          </a:ln>
-        </p:spPr>
-        <p:style>
-          <a:lnRef idx="1">
-            <a:schemeClr val="accent1"/>
-          </a:lnRef>
-          <a:fillRef idx="0">
-            <a:schemeClr val="accent1"/>
-          </a:fillRef>
-          <a:effectRef idx="0">
-            <a:schemeClr val="accent1"/>
-          </a:effectRef>
-          <a:fontRef idx="minor">
-            <a:schemeClr val="tx1"/>
-          </a:fontRef>
-        </p:style>
-      </p:cxnSp>
-      <p:cxnSp>
-        <p:nvCxnSpPr>
           <p:cNvPr id="31" name="직선 화살표 연결선 30">
             <a:extLst>
               <a:ext uri="{FF2B5EF4-FFF2-40B4-BE49-F238E27FC236}">
@@ -4258,7 +4343,7 @@
           </a:prstGeom>
           <a:ln w="19050">
             <a:solidFill>
-              <a:srgbClr val="0070C0"/>
+              <a:srgbClr val="FF0000"/>
             </a:solidFill>
             <a:tailEnd type="triangle"/>
           </a:ln>
@@ -4346,6 +4431,52 @@
             <a:ext cx="6223768" cy="1014251"/>
           </a:xfrm>
           <a:prstGeom prst="bentConnector2">
+            <a:avLst/>
+          </a:prstGeom>
+          <a:ln w="19050">
+            <a:solidFill>
+              <a:srgbClr val="FFC000"/>
+            </a:solidFill>
+            <a:tailEnd type="triangle"/>
+          </a:ln>
+        </p:spPr>
+        <p:style>
+          <a:lnRef idx="1">
+            <a:schemeClr val="accent1"/>
+          </a:lnRef>
+          <a:fillRef idx="0">
+            <a:schemeClr val="accent1"/>
+          </a:fillRef>
+          <a:effectRef idx="0">
+            <a:schemeClr val="accent1"/>
+          </a:effectRef>
+          <a:fontRef idx="minor">
+            <a:schemeClr val="tx1"/>
+          </a:fontRef>
+        </p:style>
+      </p:cxnSp>
+      <p:cxnSp>
+        <p:nvCxnSpPr>
+          <p:cNvPr id="28" name="직선 화살표 연결선 27">
+            <a:extLst>
+              <a:ext uri="{FF2B5EF4-FFF2-40B4-BE49-F238E27FC236}">
+                <a16:creationId xmlns:a16="http://schemas.microsoft.com/office/drawing/2014/main" id="{8356B15B-9A29-485B-9BAA-14652942897E}"/>
+              </a:ext>
+            </a:extLst>
+          </p:cNvPr>
+          <p:cNvCxnSpPr>
+            <a:cxnSpLocks/>
+            <a:stCxn id="6" idx="3"/>
+            <a:endCxn id="7" idx="1"/>
+          </p:cNvCxnSpPr>
+          <p:nvPr/>
+        </p:nvCxnSpPr>
+        <p:spPr>
+          <a:xfrm>
+            <a:off x="2270233" y="5335641"/>
+            <a:ext cx="740979" cy="0"/>
+          </a:xfrm>
+          <a:prstGeom prst="straightConnector1">
             <a:avLst/>
           </a:prstGeom>
           <a:ln w="19050">
@@ -4374,6 +4505,1550 @@
     <p:extLst>
       <p:ext uri="{BB962C8B-B14F-4D97-AF65-F5344CB8AC3E}">
         <p14:creationId xmlns:p14="http://schemas.microsoft.com/office/powerpoint/2010/main" val="2262990880"/>
+      </p:ext>
+    </p:extLst>
+  </p:cSld>
+  <p:clrMapOvr>
+    <a:masterClrMapping/>
+  </p:clrMapOvr>
+</p:sld>
+</file>
+
+<file path=ppt/slides/slide2.xml><?xml version="1.0" encoding="utf-8"?>
+<p:sld xmlns:a="http://schemas.openxmlformats.org/drawingml/2006/main" xmlns:r="http://schemas.openxmlformats.org/officeDocument/2006/relationships" xmlns:p="http://schemas.openxmlformats.org/presentationml/2006/main">
+  <p:cSld>
+    <p:spTree>
+      <p:nvGrpSpPr>
+        <p:cNvPr id="1" name=""/>
+        <p:cNvGrpSpPr/>
+        <p:nvPr/>
+      </p:nvGrpSpPr>
+      <p:grpSpPr>
+        <a:xfrm>
+          <a:off x="0" y="0"/>
+          <a:ext cx="0" cy="0"/>
+          <a:chOff x="0" y="0"/>
+          <a:chExt cx="0" cy="0"/>
+        </a:xfrm>
+      </p:grpSpPr>
+      <p:grpSp>
+        <p:nvGrpSpPr>
+          <p:cNvPr id="43" name="그룹 42">
+            <a:extLst>
+              <a:ext uri="{FF2B5EF4-FFF2-40B4-BE49-F238E27FC236}">
+                <a16:creationId xmlns:a16="http://schemas.microsoft.com/office/drawing/2014/main" id="{D9B03819-D4D4-4716-8AB3-7B5EF0834909}"/>
+              </a:ext>
+            </a:extLst>
+          </p:cNvPr>
+          <p:cNvGrpSpPr/>
+          <p:nvPr/>
+        </p:nvGrpSpPr>
+        <p:grpSpPr>
+          <a:xfrm>
+            <a:off x="2270234" y="1488857"/>
+            <a:ext cx="740978" cy="3846784"/>
+            <a:chOff x="2270234" y="1488857"/>
+            <a:chExt cx="740978" cy="3846784"/>
+          </a:xfrm>
+        </p:grpSpPr>
+        <p:cxnSp>
+          <p:nvCxnSpPr>
+            <p:cNvPr id="44" name="연결선: 꺾임 43">
+              <a:extLst>
+                <a:ext uri="{FF2B5EF4-FFF2-40B4-BE49-F238E27FC236}">
+                  <a16:creationId xmlns:a16="http://schemas.microsoft.com/office/drawing/2014/main" id="{747A50CB-D9B0-4FA3-9338-395AEEEE3FD5}"/>
+                </a:ext>
+              </a:extLst>
+            </p:cNvPr>
+            <p:cNvCxnSpPr>
+              <a:cxnSpLocks/>
+              <a:stCxn id="46" idx="0"/>
+              <a:endCxn id="8" idx="1"/>
+            </p:cNvCxnSpPr>
+            <p:nvPr/>
+          </p:nvCxnSpPr>
+          <p:spPr>
+            <a:xfrm>
+              <a:off x="2640722" y="2820672"/>
+              <a:ext cx="370490" cy="2514969"/>
+            </a:xfrm>
+            <a:prstGeom prst="bentConnector3">
+              <a:avLst>
+                <a:gd name="adj1" fmla="val 355"/>
+              </a:avLst>
+            </a:prstGeom>
+            <a:ln w="19050">
+              <a:solidFill>
+                <a:schemeClr val="tx1"/>
+              </a:solidFill>
+              <a:tailEnd type="triangle"/>
+            </a:ln>
+          </p:spPr>
+          <p:style>
+            <a:lnRef idx="1">
+              <a:schemeClr val="accent1"/>
+            </a:lnRef>
+            <a:fillRef idx="0">
+              <a:schemeClr val="accent1"/>
+            </a:fillRef>
+            <a:effectRef idx="0">
+              <a:schemeClr val="accent1"/>
+            </a:effectRef>
+            <a:fontRef idx="minor">
+              <a:schemeClr val="tx1"/>
+            </a:fontRef>
+          </p:style>
+        </p:cxnSp>
+        <p:cxnSp>
+          <p:nvCxnSpPr>
+            <p:cNvPr id="45" name="연결선: 꺾임 44">
+              <a:extLst>
+                <a:ext uri="{FF2B5EF4-FFF2-40B4-BE49-F238E27FC236}">
+                  <a16:creationId xmlns:a16="http://schemas.microsoft.com/office/drawing/2014/main" id="{F7792FC5-A893-45EB-9D15-D4FC58CF6125}"/>
+                </a:ext>
+              </a:extLst>
+            </p:cNvPr>
+            <p:cNvCxnSpPr>
+              <a:cxnSpLocks/>
+              <a:stCxn id="2" idx="3"/>
+              <a:endCxn id="46" idx="2"/>
+            </p:cNvCxnSpPr>
+            <p:nvPr/>
+          </p:nvCxnSpPr>
+          <p:spPr>
+            <a:xfrm>
+              <a:off x="2270234" y="1488857"/>
+              <a:ext cx="370488" cy="1096071"/>
+            </a:xfrm>
+            <a:prstGeom prst="bentConnector3">
+              <a:avLst>
+                <a:gd name="adj1" fmla="val 101319"/>
+              </a:avLst>
+            </a:prstGeom>
+            <a:ln w="19050">
+              <a:solidFill>
+                <a:schemeClr val="tx1"/>
+              </a:solidFill>
+              <a:headEnd type="none" w="med" len="med"/>
+              <a:tailEnd type="none" w="med" len="med"/>
+            </a:ln>
+          </p:spPr>
+          <p:style>
+            <a:lnRef idx="1">
+              <a:schemeClr val="accent1"/>
+            </a:lnRef>
+            <a:fillRef idx="0">
+              <a:schemeClr val="accent1"/>
+            </a:fillRef>
+            <a:effectRef idx="0">
+              <a:schemeClr val="accent1"/>
+            </a:effectRef>
+            <a:fontRef idx="minor">
+              <a:schemeClr val="tx1"/>
+            </a:fontRef>
+          </p:style>
+        </p:cxnSp>
+        <p:sp>
+          <p:nvSpPr>
+            <p:cNvPr id="46" name="원호 45">
+              <a:extLst>
+                <a:ext uri="{FF2B5EF4-FFF2-40B4-BE49-F238E27FC236}">
+                  <a16:creationId xmlns:a16="http://schemas.microsoft.com/office/drawing/2014/main" id="{E39313A5-FAC1-4459-850E-8569E6562E8A}"/>
+                </a:ext>
+              </a:extLst>
+            </p:cNvPr>
+            <p:cNvSpPr/>
+            <p:nvPr/>
+          </p:nvSpPr>
+          <p:spPr>
+            <a:xfrm rot="16200000">
+              <a:off x="2522850" y="2584928"/>
+              <a:ext cx="235744" cy="235744"/>
+            </a:xfrm>
+            <a:prstGeom prst="arc">
+              <a:avLst>
+                <a:gd name="adj1" fmla="val 10799991"/>
+                <a:gd name="adj2" fmla="val 0"/>
+              </a:avLst>
+            </a:prstGeom>
+            <a:ln w="19050">
+              <a:solidFill>
+                <a:schemeClr val="tx1"/>
+              </a:solidFill>
+            </a:ln>
+          </p:spPr>
+          <p:style>
+            <a:lnRef idx="1">
+              <a:schemeClr val="accent1"/>
+            </a:lnRef>
+            <a:fillRef idx="0">
+              <a:schemeClr val="accent1"/>
+            </a:fillRef>
+            <a:effectRef idx="0">
+              <a:schemeClr val="accent1"/>
+            </a:effectRef>
+            <a:fontRef idx="minor">
+              <a:schemeClr val="tx1"/>
+            </a:fontRef>
+          </p:style>
+          <p:txBody>
+            <a:bodyPr rtlCol="0" anchor="ctr"/>
+            <a:lstStyle/>
+            <a:p>
+              <a:pPr algn="ctr"/>
+              <a:endParaRPr lang="ko-KR" altLang="en-US"/>
+            </a:p>
+          </p:txBody>
+        </p:sp>
+      </p:grpSp>
+      <p:sp>
+        <p:nvSpPr>
+          <p:cNvPr id="2" name="직사각형 1">
+            <a:extLst>
+              <a:ext uri="{FF2B5EF4-FFF2-40B4-BE49-F238E27FC236}">
+                <a16:creationId xmlns:a16="http://schemas.microsoft.com/office/drawing/2014/main" id="{07C385E4-8085-4994-A75B-E64A0389B807}"/>
+              </a:ext>
+            </a:extLst>
+          </p:cNvPr>
+          <p:cNvSpPr/>
+          <p:nvPr/>
+        </p:nvSpPr>
+        <p:spPr>
+          <a:xfrm>
+            <a:off x="777765" y="1084209"/>
+            <a:ext cx="1492469" cy="809295"/>
+          </a:xfrm>
+          <a:prstGeom prst="rect">
+            <a:avLst/>
+          </a:prstGeom>
+          <a:solidFill>
+            <a:schemeClr val="bg1"/>
+          </a:solidFill>
+          <a:ln>
+            <a:solidFill>
+              <a:schemeClr val="tx1"/>
+            </a:solidFill>
+          </a:ln>
+        </p:spPr>
+        <p:style>
+          <a:lnRef idx="2">
+            <a:schemeClr val="accent1">
+              <a:shade val="50000"/>
+            </a:schemeClr>
+          </a:lnRef>
+          <a:fillRef idx="1">
+            <a:schemeClr val="accent1"/>
+          </a:fillRef>
+          <a:effectRef idx="0">
+            <a:schemeClr val="accent1"/>
+          </a:effectRef>
+          <a:fontRef idx="minor">
+            <a:schemeClr val="lt1"/>
+          </a:fontRef>
+        </p:style>
+        <p:txBody>
+          <a:bodyPr rtlCol="0" anchor="ctr"/>
+          <a:lstStyle/>
+          <a:p>
+            <a:pPr algn="ctr"/>
+            <a:r>
+              <a:rPr lang="en-US" altLang="ko-KR" dirty="0">
+                <a:solidFill>
+                  <a:sysClr val="windowText" lastClr="000000"/>
+                </a:solidFill>
+                <a:latin typeface="D2Coding" panose="020B0609020101020101" pitchFamily="49" charset="-127"/>
+                <a:ea typeface="D2Coding" panose="020B0609020101020101" pitchFamily="49" charset="-127"/>
+              </a:rPr>
+              <a:t>Coor2d</a:t>
+            </a:r>
+            <a:endParaRPr lang="ko-KR" altLang="en-US" dirty="0">
+              <a:solidFill>
+                <a:sysClr val="windowText" lastClr="000000"/>
+              </a:solidFill>
+              <a:latin typeface="D2Coding" panose="020B0609020101020101" pitchFamily="49" charset="-127"/>
+              <a:ea typeface="D2Coding" panose="020B0609020101020101" pitchFamily="49" charset="-127"/>
+            </a:endParaRPr>
+          </a:p>
+        </p:txBody>
+      </p:sp>
+      <p:sp>
+        <p:nvSpPr>
+          <p:cNvPr id="3" name="직사각형 2">
+            <a:extLst>
+              <a:ext uri="{FF2B5EF4-FFF2-40B4-BE49-F238E27FC236}">
+                <a16:creationId xmlns:a16="http://schemas.microsoft.com/office/drawing/2014/main" id="{D55F1EDD-F4CE-49D9-B8FB-2AFA87857383}"/>
+              </a:ext>
+            </a:extLst>
+          </p:cNvPr>
+          <p:cNvSpPr/>
+          <p:nvPr/>
+        </p:nvSpPr>
+        <p:spPr>
+          <a:xfrm>
+            <a:off x="777765" y="2298154"/>
+            <a:ext cx="1492469" cy="809295"/>
+          </a:xfrm>
+          <a:prstGeom prst="rect">
+            <a:avLst/>
+          </a:prstGeom>
+          <a:solidFill>
+            <a:schemeClr val="bg1"/>
+          </a:solidFill>
+          <a:ln>
+            <a:solidFill>
+              <a:schemeClr val="tx1"/>
+            </a:solidFill>
+          </a:ln>
+        </p:spPr>
+        <p:style>
+          <a:lnRef idx="2">
+            <a:schemeClr val="accent1">
+              <a:shade val="50000"/>
+            </a:schemeClr>
+          </a:lnRef>
+          <a:fillRef idx="1">
+            <a:schemeClr val="accent1"/>
+          </a:fillRef>
+          <a:effectRef idx="0">
+            <a:schemeClr val="accent1"/>
+          </a:effectRef>
+          <a:fontRef idx="minor">
+            <a:schemeClr val="lt1"/>
+          </a:fontRef>
+        </p:style>
+        <p:txBody>
+          <a:bodyPr rtlCol="0" anchor="ctr"/>
+          <a:lstStyle/>
+          <a:p>
+            <a:pPr algn="ctr"/>
+            <a:r>
+              <a:rPr lang="en-US" altLang="ko-KR" dirty="0">
+                <a:solidFill>
+                  <a:sysClr val="windowText" lastClr="000000"/>
+                </a:solidFill>
+                <a:latin typeface="D2Coding" panose="020B0609020101020101" pitchFamily="49" charset="-127"/>
+                <a:ea typeface="D2Coding" panose="020B0609020101020101" pitchFamily="49" charset="-127"/>
+              </a:rPr>
+              <a:t>Angle</a:t>
+            </a:r>
+            <a:endParaRPr lang="ko-KR" altLang="en-US" dirty="0">
+              <a:solidFill>
+                <a:sysClr val="windowText" lastClr="000000"/>
+              </a:solidFill>
+              <a:latin typeface="D2Coding" panose="020B0609020101020101" pitchFamily="49" charset="-127"/>
+              <a:ea typeface="D2Coding" panose="020B0609020101020101" pitchFamily="49" charset="-127"/>
+            </a:endParaRPr>
+          </a:p>
+        </p:txBody>
+      </p:sp>
+      <p:sp>
+        <p:nvSpPr>
+          <p:cNvPr id="4" name="직사각형 3">
+            <a:extLst>
+              <a:ext uri="{FF2B5EF4-FFF2-40B4-BE49-F238E27FC236}">
+                <a16:creationId xmlns:a16="http://schemas.microsoft.com/office/drawing/2014/main" id="{4F1C48B9-1359-4823-A749-978754D59475}"/>
+              </a:ext>
+            </a:extLst>
+          </p:cNvPr>
+          <p:cNvSpPr/>
+          <p:nvPr/>
+        </p:nvSpPr>
+        <p:spPr>
+          <a:xfrm>
+            <a:off x="3659245" y="3512097"/>
+            <a:ext cx="1492469" cy="809295"/>
+          </a:xfrm>
+          <a:prstGeom prst="rect">
+            <a:avLst/>
+          </a:prstGeom>
+          <a:solidFill>
+            <a:srgbClr val="B4C7E7"/>
+          </a:solidFill>
+          <a:ln>
+            <a:solidFill>
+              <a:schemeClr val="tx1"/>
+            </a:solidFill>
+          </a:ln>
+        </p:spPr>
+        <p:style>
+          <a:lnRef idx="2">
+            <a:schemeClr val="accent1">
+              <a:shade val="50000"/>
+            </a:schemeClr>
+          </a:lnRef>
+          <a:fillRef idx="1">
+            <a:schemeClr val="accent1"/>
+          </a:fillRef>
+          <a:effectRef idx="0">
+            <a:schemeClr val="accent1"/>
+          </a:effectRef>
+          <a:fontRef idx="minor">
+            <a:schemeClr val="lt1"/>
+          </a:fontRef>
+        </p:style>
+        <p:txBody>
+          <a:bodyPr rtlCol="0" anchor="ctr"/>
+          <a:lstStyle/>
+          <a:p>
+            <a:pPr algn="ctr"/>
+            <a:r>
+              <a:rPr lang="en-US" altLang="ko-KR" dirty="0" err="1">
+                <a:solidFill>
+                  <a:sysClr val="windowText" lastClr="000000"/>
+                </a:solidFill>
+                <a:latin typeface="D2Coding" panose="020B0609020101020101" pitchFamily="49" charset="-127"/>
+                <a:ea typeface="D2Coding" panose="020B0609020101020101" pitchFamily="49" charset="-127"/>
+              </a:rPr>
+              <a:t>Coor</a:t>
+            </a:r>
+            <a:endParaRPr lang="ko-KR" altLang="en-US" dirty="0">
+              <a:solidFill>
+                <a:sysClr val="windowText" lastClr="000000"/>
+              </a:solidFill>
+              <a:latin typeface="D2Coding" panose="020B0609020101020101" pitchFamily="49" charset="-127"/>
+              <a:ea typeface="D2Coding" panose="020B0609020101020101" pitchFamily="49" charset="-127"/>
+            </a:endParaRPr>
+          </a:p>
+        </p:txBody>
+      </p:sp>
+      <p:cxnSp>
+        <p:nvCxnSpPr>
+          <p:cNvPr id="5" name="직선 화살표 연결선 4">
+            <a:extLst>
+              <a:ext uri="{FF2B5EF4-FFF2-40B4-BE49-F238E27FC236}">
+                <a16:creationId xmlns:a16="http://schemas.microsoft.com/office/drawing/2014/main" id="{ACF9B134-F3D6-4660-BFA6-7E3FEEB54219}"/>
+              </a:ext>
+            </a:extLst>
+          </p:cNvPr>
+          <p:cNvCxnSpPr>
+            <a:cxnSpLocks/>
+          </p:cNvCxnSpPr>
+          <p:nvPr/>
+        </p:nvCxnSpPr>
+        <p:spPr>
+          <a:xfrm flipV="1">
+            <a:off x="5151714" y="3816897"/>
+            <a:ext cx="2785238" cy="1"/>
+          </a:xfrm>
+          <a:prstGeom prst="straightConnector1">
+            <a:avLst/>
+          </a:prstGeom>
+          <a:ln w="19050">
+            <a:solidFill>
+              <a:schemeClr val="tx1"/>
+            </a:solidFill>
+            <a:tailEnd type="triangle"/>
+          </a:ln>
+        </p:spPr>
+        <p:style>
+          <a:lnRef idx="1">
+            <a:schemeClr val="accent1"/>
+          </a:lnRef>
+          <a:fillRef idx="0">
+            <a:schemeClr val="accent1"/>
+          </a:fillRef>
+          <a:effectRef idx="0">
+            <a:schemeClr val="accent1"/>
+          </a:effectRef>
+          <a:fontRef idx="minor">
+            <a:schemeClr val="tx1"/>
+          </a:fontRef>
+        </p:style>
+      </p:cxnSp>
+      <p:sp>
+        <p:nvSpPr>
+          <p:cNvPr id="6" name="직사각형 5">
+            <a:extLst>
+              <a:ext uri="{FF2B5EF4-FFF2-40B4-BE49-F238E27FC236}">
+                <a16:creationId xmlns:a16="http://schemas.microsoft.com/office/drawing/2014/main" id="{5EEC567E-96CB-4C23-BB82-77D1E17873C9}"/>
+              </a:ext>
+            </a:extLst>
+          </p:cNvPr>
+          <p:cNvSpPr/>
+          <p:nvPr/>
+        </p:nvSpPr>
+        <p:spPr>
+          <a:xfrm>
+            <a:off x="3011211" y="2298153"/>
+            <a:ext cx="1492469" cy="809295"/>
+          </a:xfrm>
+          <a:prstGeom prst="rect">
+            <a:avLst/>
+          </a:prstGeom>
+          <a:solidFill>
+            <a:schemeClr val="accent6">
+              <a:lumMod val="60000"/>
+              <a:lumOff val="40000"/>
+            </a:schemeClr>
+          </a:solidFill>
+          <a:ln>
+            <a:solidFill>
+              <a:schemeClr val="tx1"/>
+            </a:solidFill>
+          </a:ln>
+        </p:spPr>
+        <p:style>
+          <a:lnRef idx="2">
+            <a:schemeClr val="accent1">
+              <a:shade val="50000"/>
+            </a:schemeClr>
+          </a:lnRef>
+          <a:fillRef idx="1">
+            <a:schemeClr val="accent1"/>
+          </a:fillRef>
+          <a:effectRef idx="0">
+            <a:schemeClr val="accent1"/>
+          </a:effectRef>
+          <a:fontRef idx="minor">
+            <a:schemeClr val="lt1"/>
+          </a:fontRef>
+        </p:style>
+        <p:txBody>
+          <a:bodyPr rtlCol="0" anchor="ctr"/>
+          <a:lstStyle/>
+          <a:p>
+            <a:pPr algn="ctr"/>
+            <a:r>
+              <a:rPr lang="en-US" altLang="ko-KR" dirty="0">
+                <a:solidFill>
+                  <a:sysClr val="windowText" lastClr="000000"/>
+                </a:solidFill>
+                <a:latin typeface="D2Coding" panose="020B0609020101020101" pitchFamily="49" charset="-127"/>
+                <a:ea typeface="D2Coding" panose="020B0609020101020101" pitchFamily="49" charset="-127"/>
+              </a:rPr>
+              <a:t>Camera</a:t>
+            </a:r>
+            <a:endParaRPr lang="ko-KR" altLang="en-US" dirty="0">
+              <a:solidFill>
+                <a:sysClr val="windowText" lastClr="000000"/>
+              </a:solidFill>
+              <a:latin typeface="D2Coding" panose="020B0609020101020101" pitchFamily="49" charset="-127"/>
+              <a:ea typeface="D2Coding" panose="020B0609020101020101" pitchFamily="49" charset="-127"/>
+            </a:endParaRPr>
+          </a:p>
+        </p:txBody>
+      </p:sp>
+      <p:sp>
+        <p:nvSpPr>
+          <p:cNvPr id="7" name="직사각형 6">
+            <a:extLst>
+              <a:ext uri="{FF2B5EF4-FFF2-40B4-BE49-F238E27FC236}">
+                <a16:creationId xmlns:a16="http://schemas.microsoft.com/office/drawing/2014/main" id="{82B64A06-9CC1-4AC0-BF12-94F3587F5C23}"/>
+              </a:ext>
+            </a:extLst>
+          </p:cNvPr>
+          <p:cNvSpPr/>
+          <p:nvPr/>
+        </p:nvSpPr>
+        <p:spPr>
+          <a:xfrm>
+            <a:off x="777764" y="4930993"/>
+            <a:ext cx="1492469" cy="809295"/>
+          </a:xfrm>
+          <a:prstGeom prst="rect">
+            <a:avLst/>
+          </a:prstGeom>
+          <a:solidFill>
+            <a:srgbClr val="FFFF00"/>
+          </a:solidFill>
+          <a:ln>
+            <a:solidFill>
+              <a:schemeClr val="tx1"/>
+            </a:solidFill>
+          </a:ln>
+        </p:spPr>
+        <p:style>
+          <a:lnRef idx="2">
+            <a:schemeClr val="accent1">
+              <a:shade val="50000"/>
+            </a:schemeClr>
+          </a:lnRef>
+          <a:fillRef idx="1">
+            <a:schemeClr val="accent1"/>
+          </a:fillRef>
+          <a:effectRef idx="0">
+            <a:schemeClr val="accent1"/>
+          </a:effectRef>
+          <a:fontRef idx="minor">
+            <a:schemeClr val="lt1"/>
+          </a:fontRef>
+        </p:style>
+        <p:txBody>
+          <a:bodyPr rtlCol="0" anchor="ctr"/>
+          <a:lstStyle/>
+          <a:p>
+            <a:pPr algn="ctr"/>
+            <a:r>
+              <a:rPr lang="en-US" altLang="ko-KR" dirty="0">
+                <a:solidFill>
+                  <a:sysClr val="windowText" lastClr="000000"/>
+                </a:solidFill>
+                <a:latin typeface="D2Coding" panose="020B0609020101020101" pitchFamily="49" charset="-127"/>
+                <a:ea typeface="D2Coding" panose="020B0609020101020101" pitchFamily="49" charset="-127"/>
+              </a:rPr>
+              <a:t>Pixel</a:t>
+            </a:r>
+            <a:endParaRPr lang="ko-KR" altLang="en-US" dirty="0">
+              <a:solidFill>
+                <a:sysClr val="windowText" lastClr="000000"/>
+              </a:solidFill>
+              <a:latin typeface="D2Coding" panose="020B0609020101020101" pitchFamily="49" charset="-127"/>
+              <a:ea typeface="D2Coding" panose="020B0609020101020101" pitchFamily="49" charset="-127"/>
+            </a:endParaRPr>
+          </a:p>
+        </p:txBody>
+      </p:sp>
+      <p:sp>
+        <p:nvSpPr>
+          <p:cNvPr id="8" name="직사각형 7">
+            <a:extLst>
+              <a:ext uri="{FF2B5EF4-FFF2-40B4-BE49-F238E27FC236}">
+                <a16:creationId xmlns:a16="http://schemas.microsoft.com/office/drawing/2014/main" id="{59DF4B7D-72FD-4A73-B2B0-CA3589C1AB82}"/>
+              </a:ext>
+            </a:extLst>
+          </p:cNvPr>
+          <p:cNvSpPr/>
+          <p:nvPr/>
+        </p:nvSpPr>
+        <p:spPr>
+          <a:xfrm>
+            <a:off x="3011212" y="4930993"/>
+            <a:ext cx="1492469" cy="809295"/>
+          </a:xfrm>
+          <a:prstGeom prst="rect">
+            <a:avLst/>
+          </a:prstGeom>
+          <a:solidFill>
+            <a:srgbClr val="FFFF00"/>
+          </a:solidFill>
+          <a:ln>
+            <a:solidFill>
+              <a:schemeClr val="tx1"/>
+            </a:solidFill>
+          </a:ln>
+        </p:spPr>
+        <p:style>
+          <a:lnRef idx="2">
+            <a:schemeClr val="accent1">
+              <a:shade val="50000"/>
+            </a:schemeClr>
+          </a:lnRef>
+          <a:fillRef idx="1">
+            <a:schemeClr val="accent1"/>
+          </a:fillRef>
+          <a:effectRef idx="0">
+            <a:schemeClr val="accent1"/>
+          </a:effectRef>
+          <a:fontRef idx="minor">
+            <a:schemeClr val="lt1"/>
+          </a:fontRef>
+        </p:style>
+        <p:txBody>
+          <a:bodyPr rtlCol="0" anchor="ctr"/>
+          <a:lstStyle/>
+          <a:p>
+            <a:pPr algn="ctr"/>
+            <a:r>
+              <a:rPr lang="en-US" altLang="ko-KR" dirty="0">
+                <a:solidFill>
+                  <a:sysClr val="windowText" lastClr="000000"/>
+                </a:solidFill>
+                <a:latin typeface="D2Coding" panose="020B0609020101020101" pitchFamily="49" charset="-127"/>
+                <a:ea typeface="D2Coding" panose="020B0609020101020101" pitchFamily="49" charset="-127"/>
+              </a:rPr>
+              <a:t>Screen</a:t>
+            </a:r>
+            <a:endParaRPr lang="ko-KR" altLang="en-US" dirty="0">
+              <a:solidFill>
+                <a:sysClr val="windowText" lastClr="000000"/>
+              </a:solidFill>
+              <a:latin typeface="D2Coding" panose="020B0609020101020101" pitchFamily="49" charset="-127"/>
+              <a:ea typeface="D2Coding" panose="020B0609020101020101" pitchFamily="49" charset="-127"/>
+            </a:endParaRPr>
+          </a:p>
+        </p:txBody>
+      </p:sp>
+      <p:sp>
+        <p:nvSpPr>
+          <p:cNvPr id="9" name="직사각형 8">
+            <a:extLst>
+              <a:ext uri="{FF2B5EF4-FFF2-40B4-BE49-F238E27FC236}">
+                <a16:creationId xmlns:a16="http://schemas.microsoft.com/office/drawing/2014/main" id="{2CF441DE-1BA4-44EC-87EB-FA11D1567A8A}"/>
+              </a:ext>
+            </a:extLst>
+          </p:cNvPr>
+          <p:cNvSpPr/>
+          <p:nvPr/>
+        </p:nvSpPr>
+        <p:spPr>
+          <a:xfrm>
+            <a:off x="5892690" y="3512096"/>
+            <a:ext cx="1492469" cy="809295"/>
+          </a:xfrm>
+          <a:prstGeom prst="rect">
+            <a:avLst/>
+          </a:prstGeom>
+          <a:solidFill>
+            <a:schemeClr val="accent1">
+              <a:lumMod val="40000"/>
+              <a:lumOff val="60000"/>
+            </a:schemeClr>
+          </a:solidFill>
+          <a:ln>
+            <a:solidFill>
+              <a:schemeClr val="tx1"/>
+            </a:solidFill>
+          </a:ln>
+        </p:spPr>
+        <p:style>
+          <a:lnRef idx="2">
+            <a:schemeClr val="accent1">
+              <a:shade val="50000"/>
+            </a:schemeClr>
+          </a:lnRef>
+          <a:fillRef idx="1">
+            <a:schemeClr val="accent1"/>
+          </a:fillRef>
+          <a:effectRef idx="0">
+            <a:schemeClr val="accent1"/>
+          </a:effectRef>
+          <a:fontRef idx="minor">
+            <a:schemeClr val="lt1"/>
+          </a:fontRef>
+        </p:style>
+        <p:txBody>
+          <a:bodyPr rtlCol="0" anchor="ctr"/>
+          <a:lstStyle/>
+          <a:p>
+            <a:pPr algn="ctr"/>
+            <a:r>
+              <a:rPr lang="en-US" altLang="ko-KR" dirty="0">
+                <a:solidFill>
+                  <a:sysClr val="windowText" lastClr="000000"/>
+                </a:solidFill>
+                <a:latin typeface="D2Coding" panose="020B0609020101020101" pitchFamily="49" charset="-127"/>
+                <a:ea typeface="D2Coding" panose="020B0609020101020101" pitchFamily="49" charset="-127"/>
+              </a:rPr>
+              <a:t>Face</a:t>
+            </a:r>
+            <a:endParaRPr lang="ko-KR" altLang="en-US" dirty="0">
+              <a:solidFill>
+                <a:sysClr val="windowText" lastClr="000000"/>
+              </a:solidFill>
+              <a:latin typeface="D2Coding" panose="020B0609020101020101" pitchFamily="49" charset="-127"/>
+              <a:ea typeface="D2Coding" panose="020B0609020101020101" pitchFamily="49" charset="-127"/>
+            </a:endParaRPr>
+          </a:p>
+        </p:txBody>
+      </p:sp>
+      <p:sp>
+        <p:nvSpPr>
+          <p:cNvPr id="10" name="직사각형 9">
+            <a:extLst>
+              <a:ext uri="{FF2B5EF4-FFF2-40B4-BE49-F238E27FC236}">
+                <a16:creationId xmlns:a16="http://schemas.microsoft.com/office/drawing/2014/main" id="{9BE6F66E-89B1-4203-BDA9-79E5EDF46A2D}"/>
+              </a:ext>
+            </a:extLst>
+          </p:cNvPr>
+          <p:cNvSpPr/>
+          <p:nvPr/>
+        </p:nvSpPr>
+        <p:spPr>
+          <a:xfrm>
+            <a:off x="7936952" y="3512096"/>
+            <a:ext cx="1492469" cy="809295"/>
+          </a:xfrm>
+          <a:prstGeom prst="rect">
+            <a:avLst/>
+          </a:prstGeom>
+          <a:solidFill>
+            <a:schemeClr val="accent2">
+              <a:lumMod val="60000"/>
+              <a:lumOff val="40000"/>
+            </a:schemeClr>
+          </a:solidFill>
+          <a:ln>
+            <a:solidFill>
+              <a:schemeClr val="tx1"/>
+            </a:solidFill>
+          </a:ln>
+        </p:spPr>
+        <p:style>
+          <a:lnRef idx="2">
+            <a:schemeClr val="accent1">
+              <a:shade val="50000"/>
+            </a:schemeClr>
+          </a:lnRef>
+          <a:fillRef idx="1">
+            <a:schemeClr val="accent1"/>
+          </a:fillRef>
+          <a:effectRef idx="0">
+            <a:schemeClr val="accent1"/>
+          </a:effectRef>
+          <a:fontRef idx="minor">
+            <a:schemeClr val="lt1"/>
+          </a:fontRef>
+        </p:style>
+        <p:txBody>
+          <a:bodyPr rtlCol="0" anchor="ctr"/>
+          <a:lstStyle/>
+          <a:p>
+            <a:pPr algn="ctr"/>
+            <a:r>
+              <a:rPr lang="en-US" altLang="ko-KR" dirty="0">
+                <a:solidFill>
+                  <a:sysClr val="windowText" lastClr="000000"/>
+                </a:solidFill>
+                <a:latin typeface="D2Coding" panose="020B0609020101020101" pitchFamily="49" charset="-127"/>
+                <a:ea typeface="D2Coding" panose="020B0609020101020101" pitchFamily="49" charset="-127"/>
+              </a:rPr>
+              <a:t>Object</a:t>
+            </a:r>
+            <a:endParaRPr lang="ko-KR" altLang="en-US" dirty="0">
+              <a:solidFill>
+                <a:sysClr val="windowText" lastClr="000000"/>
+              </a:solidFill>
+              <a:latin typeface="D2Coding" panose="020B0609020101020101" pitchFamily="49" charset="-127"/>
+              <a:ea typeface="D2Coding" panose="020B0609020101020101" pitchFamily="49" charset="-127"/>
+            </a:endParaRPr>
+          </a:p>
+        </p:txBody>
+      </p:sp>
+      <p:sp>
+        <p:nvSpPr>
+          <p:cNvPr id="11" name="직사각형 10">
+            <a:extLst>
+              <a:ext uri="{FF2B5EF4-FFF2-40B4-BE49-F238E27FC236}">
+                <a16:creationId xmlns:a16="http://schemas.microsoft.com/office/drawing/2014/main" id="{C79A1E0B-8921-4A60-A483-449658C91897}"/>
+              </a:ext>
+            </a:extLst>
+          </p:cNvPr>
+          <p:cNvSpPr/>
+          <p:nvPr/>
+        </p:nvSpPr>
+        <p:spPr>
+          <a:xfrm>
+            <a:off x="9981214" y="3512095"/>
+            <a:ext cx="1492469" cy="809295"/>
+          </a:xfrm>
+          <a:prstGeom prst="rect">
+            <a:avLst/>
+          </a:prstGeom>
+          <a:solidFill>
+            <a:schemeClr val="tx1"/>
+          </a:solidFill>
+          <a:ln>
+            <a:solidFill>
+              <a:schemeClr val="bg1"/>
+            </a:solidFill>
+          </a:ln>
+        </p:spPr>
+        <p:style>
+          <a:lnRef idx="2">
+            <a:schemeClr val="accent1">
+              <a:shade val="50000"/>
+            </a:schemeClr>
+          </a:lnRef>
+          <a:fillRef idx="1">
+            <a:schemeClr val="accent1"/>
+          </a:fillRef>
+          <a:effectRef idx="0">
+            <a:schemeClr val="accent1"/>
+          </a:effectRef>
+          <a:fontRef idx="minor">
+            <a:schemeClr val="lt1"/>
+          </a:fontRef>
+        </p:style>
+        <p:txBody>
+          <a:bodyPr rtlCol="0" anchor="ctr"/>
+          <a:lstStyle/>
+          <a:p>
+            <a:pPr algn="ctr"/>
+            <a:r>
+              <a:rPr lang="en-US" altLang="ko-KR" dirty="0">
+                <a:solidFill>
+                  <a:schemeClr val="bg1"/>
+                </a:solidFill>
+                <a:latin typeface="D2Coding" panose="020B0609020101020101" pitchFamily="49" charset="-127"/>
+                <a:ea typeface="D2Coding" panose="020B0609020101020101" pitchFamily="49" charset="-127"/>
+              </a:rPr>
+              <a:t>Space</a:t>
+            </a:r>
+            <a:endParaRPr lang="ko-KR" altLang="en-US" dirty="0">
+              <a:solidFill>
+                <a:schemeClr val="bg1"/>
+              </a:solidFill>
+              <a:latin typeface="D2Coding" panose="020B0609020101020101" pitchFamily="49" charset="-127"/>
+              <a:ea typeface="D2Coding" panose="020B0609020101020101" pitchFamily="49" charset="-127"/>
+            </a:endParaRPr>
+          </a:p>
+        </p:txBody>
+      </p:sp>
+      <p:cxnSp>
+        <p:nvCxnSpPr>
+          <p:cNvPr id="12" name="직선 화살표 연결선 11">
+            <a:extLst>
+              <a:ext uri="{FF2B5EF4-FFF2-40B4-BE49-F238E27FC236}">
+                <a16:creationId xmlns:a16="http://schemas.microsoft.com/office/drawing/2014/main" id="{6B5B64ED-1C5F-4991-89FB-FE2BF447F80E}"/>
+              </a:ext>
+            </a:extLst>
+          </p:cNvPr>
+          <p:cNvCxnSpPr>
+            <a:stCxn id="3" idx="3"/>
+            <a:endCxn id="6" idx="1"/>
+          </p:cNvCxnSpPr>
+          <p:nvPr/>
+        </p:nvCxnSpPr>
+        <p:spPr>
+          <a:xfrm flipV="1">
+            <a:off x="2270234" y="2702801"/>
+            <a:ext cx="740977" cy="1"/>
+          </a:xfrm>
+          <a:prstGeom prst="straightConnector1">
+            <a:avLst/>
+          </a:prstGeom>
+          <a:ln w="19050">
+            <a:solidFill>
+              <a:schemeClr val="tx1"/>
+            </a:solidFill>
+            <a:tailEnd type="triangle"/>
+          </a:ln>
+        </p:spPr>
+        <p:style>
+          <a:lnRef idx="1">
+            <a:schemeClr val="accent1"/>
+          </a:lnRef>
+          <a:fillRef idx="0">
+            <a:schemeClr val="accent1"/>
+          </a:fillRef>
+          <a:effectRef idx="0">
+            <a:schemeClr val="accent1"/>
+          </a:effectRef>
+          <a:fontRef idx="minor">
+            <a:schemeClr val="tx1"/>
+          </a:fontRef>
+        </p:style>
+      </p:cxnSp>
+      <p:cxnSp>
+        <p:nvCxnSpPr>
+          <p:cNvPr id="14" name="직선 화살표 연결선 13">
+            <a:extLst>
+              <a:ext uri="{FF2B5EF4-FFF2-40B4-BE49-F238E27FC236}">
+                <a16:creationId xmlns:a16="http://schemas.microsoft.com/office/drawing/2014/main" id="{61D3F9B7-DB3B-4168-936A-7982EAB1ACEE}"/>
+              </a:ext>
+            </a:extLst>
+          </p:cNvPr>
+          <p:cNvCxnSpPr>
+            <a:cxnSpLocks/>
+            <a:stCxn id="4" idx="3"/>
+            <a:endCxn id="9" idx="1"/>
+          </p:cNvCxnSpPr>
+          <p:nvPr/>
+        </p:nvCxnSpPr>
+        <p:spPr>
+          <a:xfrm flipV="1">
+            <a:off x="5151714" y="3916744"/>
+            <a:ext cx="740976" cy="1"/>
+          </a:xfrm>
+          <a:prstGeom prst="straightConnector1">
+            <a:avLst/>
+          </a:prstGeom>
+          <a:ln w="19050">
+            <a:solidFill>
+              <a:schemeClr val="tx1"/>
+            </a:solidFill>
+            <a:tailEnd type="triangle"/>
+          </a:ln>
+        </p:spPr>
+        <p:style>
+          <a:lnRef idx="1">
+            <a:schemeClr val="accent1"/>
+          </a:lnRef>
+          <a:fillRef idx="0">
+            <a:schemeClr val="accent1"/>
+          </a:fillRef>
+          <a:effectRef idx="0">
+            <a:schemeClr val="accent1"/>
+          </a:effectRef>
+          <a:fontRef idx="minor">
+            <a:schemeClr val="tx1"/>
+          </a:fontRef>
+        </p:style>
+      </p:cxnSp>
+      <p:cxnSp>
+        <p:nvCxnSpPr>
+          <p:cNvPr id="15" name="직선 화살표 연결선 14">
+            <a:extLst>
+              <a:ext uri="{FF2B5EF4-FFF2-40B4-BE49-F238E27FC236}">
+                <a16:creationId xmlns:a16="http://schemas.microsoft.com/office/drawing/2014/main" id="{C6344685-1780-4ED6-826C-ACEDDCFD4C00}"/>
+              </a:ext>
+            </a:extLst>
+          </p:cNvPr>
+          <p:cNvCxnSpPr>
+            <a:cxnSpLocks/>
+            <a:stCxn id="9" idx="3"/>
+            <a:endCxn id="10" idx="1"/>
+          </p:cNvCxnSpPr>
+          <p:nvPr/>
+        </p:nvCxnSpPr>
+        <p:spPr>
+          <a:xfrm>
+            <a:off x="7385159" y="3916744"/>
+            <a:ext cx="551793" cy="0"/>
+          </a:xfrm>
+          <a:prstGeom prst="straightConnector1">
+            <a:avLst/>
+          </a:prstGeom>
+          <a:ln w="19050">
+            <a:solidFill>
+              <a:srgbClr val="0070C0"/>
+            </a:solidFill>
+            <a:tailEnd type="triangle"/>
+          </a:ln>
+        </p:spPr>
+        <p:style>
+          <a:lnRef idx="1">
+            <a:schemeClr val="accent1"/>
+          </a:lnRef>
+          <a:fillRef idx="0">
+            <a:schemeClr val="accent1"/>
+          </a:fillRef>
+          <a:effectRef idx="0">
+            <a:schemeClr val="accent1"/>
+          </a:effectRef>
+          <a:fontRef idx="minor">
+            <a:schemeClr val="tx1"/>
+          </a:fontRef>
+        </p:style>
+      </p:cxnSp>
+      <p:cxnSp>
+        <p:nvCxnSpPr>
+          <p:cNvPr id="16" name="직선 화살표 연결선 15">
+            <a:extLst>
+              <a:ext uri="{FF2B5EF4-FFF2-40B4-BE49-F238E27FC236}">
+                <a16:creationId xmlns:a16="http://schemas.microsoft.com/office/drawing/2014/main" id="{35195595-1D4C-47A8-AC36-712EC8871584}"/>
+              </a:ext>
+            </a:extLst>
+          </p:cNvPr>
+          <p:cNvCxnSpPr>
+            <a:cxnSpLocks/>
+            <a:stCxn id="10" idx="3"/>
+            <a:endCxn id="11" idx="1"/>
+          </p:cNvCxnSpPr>
+          <p:nvPr/>
+        </p:nvCxnSpPr>
+        <p:spPr>
+          <a:xfrm flipV="1">
+            <a:off x="9429421" y="3916743"/>
+            <a:ext cx="551793" cy="1"/>
+          </a:xfrm>
+          <a:prstGeom prst="straightConnector1">
+            <a:avLst/>
+          </a:prstGeom>
+          <a:ln w="19050">
+            <a:solidFill>
+              <a:srgbClr val="FF0000"/>
+            </a:solidFill>
+            <a:tailEnd type="triangle"/>
+          </a:ln>
+        </p:spPr>
+        <p:style>
+          <a:lnRef idx="1">
+            <a:schemeClr val="accent1"/>
+          </a:lnRef>
+          <a:fillRef idx="0">
+            <a:schemeClr val="accent1"/>
+          </a:fillRef>
+          <a:effectRef idx="0">
+            <a:schemeClr val="accent1"/>
+          </a:effectRef>
+          <a:fontRef idx="minor">
+            <a:schemeClr val="tx1"/>
+          </a:fontRef>
+        </p:style>
+      </p:cxnSp>
+      <p:cxnSp>
+        <p:nvCxnSpPr>
+          <p:cNvPr id="17" name="연결선: 꺾임 16">
+            <a:extLst>
+              <a:ext uri="{FF2B5EF4-FFF2-40B4-BE49-F238E27FC236}">
+                <a16:creationId xmlns:a16="http://schemas.microsoft.com/office/drawing/2014/main" id="{22CF87FF-BA8B-40D3-A2CF-BA0C986AC9CD}"/>
+              </a:ext>
+            </a:extLst>
+          </p:cNvPr>
+          <p:cNvCxnSpPr>
+            <a:cxnSpLocks/>
+            <a:stCxn id="6" idx="2"/>
+            <a:endCxn id="4" idx="0"/>
+          </p:cNvCxnSpPr>
+          <p:nvPr/>
+        </p:nvCxnSpPr>
+        <p:spPr>
+          <a:xfrm rot="16200000" flipH="1">
+            <a:off x="3879139" y="2985755"/>
+            <a:ext cx="404649" cy="648034"/>
+          </a:xfrm>
+          <a:prstGeom prst="bentConnector3">
+            <a:avLst>
+              <a:gd name="adj1" fmla="val 50000"/>
+            </a:avLst>
+          </a:prstGeom>
+          <a:ln w="19050">
+            <a:solidFill>
+              <a:srgbClr val="00B050"/>
+            </a:solidFill>
+            <a:tailEnd type="triangle"/>
+          </a:ln>
+        </p:spPr>
+        <p:style>
+          <a:lnRef idx="1">
+            <a:schemeClr val="accent1"/>
+          </a:lnRef>
+          <a:fillRef idx="0">
+            <a:schemeClr val="accent1"/>
+          </a:fillRef>
+          <a:effectRef idx="0">
+            <a:schemeClr val="accent1"/>
+          </a:effectRef>
+          <a:fontRef idx="minor">
+            <a:schemeClr val="tx1"/>
+          </a:fontRef>
+        </p:style>
+      </p:cxnSp>
+      <p:cxnSp>
+        <p:nvCxnSpPr>
+          <p:cNvPr id="18" name="연결선: 꺾임 17">
+            <a:extLst>
+              <a:ext uri="{FF2B5EF4-FFF2-40B4-BE49-F238E27FC236}">
+                <a16:creationId xmlns:a16="http://schemas.microsoft.com/office/drawing/2014/main" id="{16BEED95-71D4-4A86-85F0-137DF68D8D8E}"/>
+              </a:ext>
+            </a:extLst>
+          </p:cNvPr>
+          <p:cNvCxnSpPr>
+            <a:cxnSpLocks/>
+            <a:stCxn id="8" idx="0"/>
+            <a:endCxn id="4" idx="2"/>
+          </p:cNvCxnSpPr>
+          <p:nvPr/>
+        </p:nvCxnSpPr>
+        <p:spPr>
+          <a:xfrm rot="5400000" flipH="1" flipV="1">
+            <a:off x="3776663" y="4302177"/>
+            <a:ext cx="609601" cy="648033"/>
+          </a:xfrm>
+          <a:prstGeom prst="bentConnector3">
+            <a:avLst>
+              <a:gd name="adj1" fmla="val 50000"/>
+            </a:avLst>
+          </a:prstGeom>
+          <a:ln w="19050">
+            <a:solidFill>
+              <a:srgbClr val="FFC000"/>
+            </a:solidFill>
+            <a:tailEnd type="triangle"/>
+          </a:ln>
+        </p:spPr>
+        <p:style>
+          <a:lnRef idx="1">
+            <a:schemeClr val="accent1"/>
+          </a:lnRef>
+          <a:fillRef idx="0">
+            <a:schemeClr val="accent1"/>
+          </a:fillRef>
+          <a:effectRef idx="0">
+            <a:schemeClr val="accent1"/>
+          </a:effectRef>
+          <a:fontRef idx="minor">
+            <a:schemeClr val="tx1"/>
+          </a:fontRef>
+        </p:style>
+      </p:cxnSp>
+      <p:cxnSp>
+        <p:nvCxnSpPr>
+          <p:cNvPr id="20" name="직선 화살표 연결선 19">
+            <a:extLst>
+              <a:ext uri="{FF2B5EF4-FFF2-40B4-BE49-F238E27FC236}">
+                <a16:creationId xmlns:a16="http://schemas.microsoft.com/office/drawing/2014/main" id="{C47C451B-7EBF-4D1B-9A08-ECA2ACFF6A50}"/>
+              </a:ext>
+            </a:extLst>
+          </p:cNvPr>
+          <p:cNvCxnSpPr>
+            <a:cxnSpLocks/>
+            <a:stCxn id="7" idx="3"/>
+            <a:endCxn id="8" idx="1"/>
+          </p:cNvCxnSpPr>
+          <p:nvPr/>
+        </p:nvCxnSpPr>
+        <p:spPr>
+          <a:xfrm>
+            <a:off x="2270233" y="5335641"/>
+            <a:ext cx="740979" cy="0"/>
+          </a:xfrm>
+          <a:prstGeom prst="straightConnector1">
+            <a:avLst/>
+          </a:prstGeom>
+          <a:ln w="19050">
+            <a:solidFill>
+              <a:srgbClr val="FFC000"/>
+            </a:solidFill>
+            <a:tailEnd type="triangle"/>
+          </a:ln>
+        </p:spPr>
+        <p:style>
+          <a:lnRef idx="1">
+            <a:schemeClr val="accent1"/>
+          </a:lnRef>
+          <a:fillRef idx="0">
+            <a:schemeClr val="accent1"/>
+          </a:fillRef>
+          <a:effectRef idx="0">
+            <a:schemeClr val="accent1"/>
+          </a:effectRef>
+          <a:fontRef idx="minor">
+            <a:schemeClr val="tx1"/>
+          </a:fontRef>
+        </p:style>
+      </p:cxnSp>
+      <p:cxnSp>
+        <p:nvCxnSpPr>
+          <p:cNvPr id="25" name="연결선: 꺾임 24">
+            <a:extLst>
+              <a:ext uri="{FF2B5EF4-FFF2-40B4-BE49-F238E27FC236}">
+                <a16:creationId xmlns:a16="http://schemas.microsoft.com/office/drawing/2014/main" id="{80116F57-D083-40A3-9FCF-4FE393F1809C}"/>
+              </a:ext>
+            </a:extLst>
+          </p:cNvPr>
+          <p:cNvCxnSpPr>
+            <a:cxnSpLocks/>
+            <a:stCxn id="8" idx="0"/>
+            <a:endCxn id="9" idx="2"/>
+          </p:cNvCxnSpPr>
+          <p:nvPr/>
+        </p:nvCxnSpPr>
+        <p:spPr>
+          <a:xfrm rot="5400000" flipH="1" flipV="1">
+            <a:off x="4893385" y="3185453"/>
+            <a:ext cx="609602" cy="2881478"/>
+          </a:xfrm>
+          <a:prstGeom prst="bentConnector3">
+            <a:avLst>
+              <a:gd name="adj1" fmla="val 50000"/>
+            </a:avLst>
+          </a:prstGeom>
+          <a:ln w="19050">
+            <a:solidFill>
+              <a:srgbClr val="FFC000"/>
+            </a:solidFill>
+            <a:tailEnd type="triangle"/>
+          </a:ln>
+        </p:spPr>
+        <p:style>
+          <a:lnRef idx="1">
+            <a:schemeClr val="accent1"/>
+          </a:lnRef>
+          <a:fillRef idx="0">
+            <a:schemeClr val="accent1"/>
+          </a:fillRef>
+          <a:effectRef idx="0">
+            <a:schemeClr val="accent1"/>
+          </a:effectRef>
+          <a:fontRef idx="minor">
+            <a:schemeClr val="tx1"/>
+          </a:fontRef>
+        </p:style>
+      </p:cxnSp>
+      <p:cxnSp>
+        <p:nvCxnSpPr>
+          <p:cNvPr id="26" name="연결선: 꺾임 25">
+            <a:extLst>
+              <a:ext uri="{FF2B5EF4-FFF2-40B4-BE49-F238E27FC236}">
+                <a16:creationId xmlns:a16="http://schemas.microsoft.com/office/drawing/2014/main" id="{555B0B66-680B-44CE-BF62-4F101FCEB34A}"/>
+              </a:ext>
+            </a:extLst>
+          </p:cNvPr>
+          <p:cNvCxnSpPr>
+            <a:cxnSpLocks/>
+            <a:stCxn id="8" idx="0"/>
+            <a:endCxn id="10" idx="2"/>
+          </p:cNvCxnSpPr>
+          <p:nvPr/>
+        </p:nvCxnSpPr>
+        <p:spPr>
+          <a:xfrm rot="5400000" flipH="1" flipV="1">
+            <a:off x="5915516" y="2163322"/>
+            <a:ext cx="609602" cy="4925740"/>
+          </a:xfrm>
+          <a:prstGeom prst="bentConnector3">
+            <a:avLst>
+              <a:gd name="adj1" fmla="val 50000"/>
+            </a:avLst>
+          </a:prstGeom>
+          <a:ln w="19050">
+            <a:solidFill>
+              <a:srgbClr val="FFC000"/>
+            </a:solidFill>
+            <a:tailEnd type="triangle"/>
+          </a:ln>
+        </p:spPr>
+        <p:style>
+          <a:lnRef idx="1">
+            <a:schemeClr val="accent1"/>
+          </a:lnRef>
+          <a:fillRef idx="0">
+            <a:schemeClr val="accent1"/>
+          </a:fillRef>
+          <a:effectRef idx="0">
+            <a:schemeClr val="accent1"/>
+          </a:effectRef>
+          <a:fontRef idx="minor">
+            <a:schemeClr val="tx1"/>
+          </a:fontRef>
+        </p:style>
+      </p:cxnSp>
+      <p:cxnSp>
+        <p:nvCxnSpPr>
+          <p:cNvPr id="27" name="연결선: 꺾임 26">
+            <a:extLst>
+              <a:ext uri="{FF2B5EF4-FFF2-40B4-BE49-F238E27FC236}">
+                <a16:creationId xmlns:a16="http://schemas.microsoft.com/office/drawing/2014/main" id="{0CC14108-59FB-4E1A-9334-EA3D5F03E843}"/>
+              </a:ext>
+            </a:extLst>
+          </p:cNvPr>
+          <p:cNvCxnSpPr>
+            <a:cxnSpLocks/>
+            <a:stCxn id="8" idx="0"/>
+            <a:endCxn id="11" idx="2"/>
+          </p:cNvCxnSpPr>
+          <p:nvPr/>
+        </p:nvCxnSpPr>
+        <p:spPr>
+          <a:xfrm rot="5400000" flipH="1" flipV="1">
+            <a:off x="6937647" y="1141191"/>
+            <a:ext cx="609603" cy="6970002"/>
+          </a:xfrm>
+          <a:prstGeom prst="bentConnector3">
+            <a:avLst>
+              <a:gd name="adj1" fmla="val 50000"/>
+            </a:avLst>
+          </a:prstGeom>
+          <a:ln w="19050">
+            <a:solidFill>
+              <a:srgbClr val="FFC000"/>
+            </a:solidFill>
+            <a:tailEnd type="triangle"/>
+          </a:ln>
+        </p:spPr>
+        <p:style>
+          <a:lnRef idx="1">
+            <a:schemeClr val="accent1"/>
+          </a:lnRef>
+          <a:fillRef idx="0">
+            <a:schemeClr val="accent1"/>
+          </a:fillRef>
+          <a:effectRef idx="0">
+            <a:schemeClr val="accent1"/>
+          </a:effectRef>
+          <a:fontRef idx="minor">
+            <a:schemeClr val="tx1"/>
+          </a:fontRef>
+        </p:style>
+      </p:cxnSp>
+      <p:cxnSp>
+        <p:nvCxnSpPr>
+          <p:cNvPr id="34" name="연결선: 꺾임 33">
+            <a:extLst>
+              <a:ext uri="{FF2B5EF4-FFF2-40B4-BE49-F238E27FC236}">
+                <a16:creationId xmlns:a16="http://schemas.microsoft.com/office/drawing/2014/main" id="{72A0A57B-1D1D-4BC0-93A2-A4E429D2FD3F}"/>
+              </a:ext>
+            </a:extLst>
+          </p:cNvPr>
+          <p:cNvCxnSpPr>
+            <a:cxnSpLocks/>
+            <a:stCxn id="6" idx="2"/>
+            <a:endCxn id="9" idx="0"/>
+          </p:cNvCxnSpPr>
+          <p:nvPr/>
+        </p:nvCxnSpPr>
+        <p:spPr>
+          <a:xfrm rot="16200000" flipH="1">
+            <a:off x="4995861" y="1869032"/>
+            <a:ext cx="404648" cy="2881479"/>
+          </a:xfrm>
+          <a:prstGeom prst="bentConnector3">
+            <a:avLst>
+              <a:gd name="adj1" fmla="val 50000"/>
+            </a:avLst>
+          </a:prstGeom>
+          <a:ln w="19050">
+            <a:solidFill>
+              <a:srgbClr val="00B050"/>
+            </a:solidFill>
+            <a:tailEnd type="triangle"/>
+          </a:ln>
+        </p:spPr>
+        <p:style>
+          <a:lnRef idx="1">
+            <a:schemeClr val="accent1"/>
+          </a:lnRef>
+          <a:fillRef idx="0">
+            <a:schemeClr val="accent1"/>
+          </a:fillRef>
+          <a:effectRef idx="0">
+            <a:schemeClr val="accent1"/>
+          </a:effectRef>
+          <a:fontRef idx="minor">
+            <a:schemeClr val="tx1"/>
+          </a:fontRef>
+        </p:style>
+      </p:cxnSp>
+      <p:cxnSp>
+        <p:nvCxnSpPr>
+          <p:cNvPr id="35" name="연결선: 꺾임 34">
+            <a:extLst>
+              <a:ext uri="{FF2B5EF4-FFF2-40B4-BE49-F238E27FC236}">
+                <a16:creationId xmlns:a16="http://schemas.microsoft.com/office/drawing/2014/main" id="{937575DD-17AF-420A-883A-5A65FA9A9959}"/>
+              </a:ext>
+            </a:extLst>
+          </p:cNvPr>
+          <p:cNvCxnSpPr>
+            <a:cxnSpLocks/>
+            <a:stCxn id="6" idx="2"/>
+            <a:endCxn id="10" idx="0"/>
+          </p:cNvCxnSpPr>
+          <p:nvPr/>
+        </p:nvCxnSpPr>
+        <p:spPr>
+          <a:xfrm rot="16200000" flipH="1">
+            <a:off x="6017992" y="846901"/>
+            <a:ext cx="404648" cy="4925741"/>
+          </a:xfrm>
+          <a:prstGeom prst="bentConnector3">
+            <a:avLst>
+              <a:gd name="adj1" fmla="val 50000"/>
+            </a:avLst>
+          </a:prstGeom>
+          <a:ln w="19050">
+            <a:solidFill>
+              <a:srgbClr val="00B050"/>
+            </a:solidFill>
+            <a:tailEnd type="triangle"/>
+          </a:ln>
+        </p:spPr>
+        <p:style>
+          <a:lnRef idx="1">
+            <a:schemeClr val="accent1"/>
+          </a:lnRef>
+          <a:fillRef idx="0">
+            <a:schemeClr val="accent1"/>
+          </a:fillRef>
+          <a:effectRef idx="0">
+            <a:schemeClr val="accent1"/>
+          </a:effectRef>
+          <a:fontRef idx="minor">
+            <a:schemeClr val="tx1"/>
+          </a:fontRef>
+        </p:style>
+      </p:cxnSp>
+      <p:cxnSp>
+        <p:nvCxnSpPr>
+          <p:cNvPr id="40" name="연결선: 꺾임 39">
+            <a:extLst>
+              <a:ext uri="{FF2B5EF4-FFF2-40B4-BE49-F238E27FC236}">
+                <a16:creationId xmlns:a16="http://schemas.microsoft.com/office/drawing/2014/main" id="{F4626A73-3B96-489B-B5D2-A757FBA09040}"/>
+              </a:ext>
+            </a:extLst>
+          </p:cNvPr>
+          <p:cNvCxnSpPr>
+            <a:cxnSpLocks/>
+            <a:stCxn id="6" idx="2"/>
+            <a:endCxn id="11" idx="0"/>
+          </p:cNvCxnSpPr>
+          <p:nvPr/>
+        </p:nvCxnSpPr>
+        <p:spPr>
+          <a:xfrm rot="16200000" flipH="1">
+            <a:off x="7040124" y="-175231"/>
+            <a:ext cx="404647" cy="6970003"/>
+          </a:xfrm>
+          <a:prstGeom prst="bentConnector3">
+            <a:avLst>
+              <a:gd name="adj1" fmla="val 50000"/>
+            </a:avLst>
+          </a:prstGeom>
+          <a:ln w="19050">
+            <a:solidFill>
+              <a:srgbClr val="00B050"/>
+            </a:solidFill>
+            <a:tailEnd type="triangle"/>
+          </a:ln>
+        </p:spPr>
+        <p:style>
+          <a:lnRef idx="1">
+            <a:schemeClr val="accent1"/>
+          </a:lnRef>
+          <a:fillRef idx="0">
+            <a:schemeClr val="accent1"/>
+          </a:fillRef>
+          <a:effectRef idx="0">
+            <a:schemeClr val="accent1"/>
+          </a:effectRef>
+          <a:fontRef idx="minor">
+            <a:schemeClr val="tx1"/>
+          </a:fontRef>
+        </p:style>
+      </p:cxnSp>
+      <p:cxnSp>
+        <p:nvCxnSpPr>
+          <p:cNvPr id="53" name="연결선: 꺾임 52">
+            <a:extLst>
+              <a:ext uri="{FF2B5EF4-FFF2-40B4-BE49-F238E27FC236}">
+                <a16:creationId xmlns:a16="http://schemas.microsoft.com/office/drawing/2014/main" id="{0520B419-17AE-4068-939B-0EE2208F8423}"/>
+              </a:ext>
+            </a:extLst>
+          </p:cNvPr>
+          <p:cNvCxnSpPr>
+            <a:cxnSpLocks/>
+            <a:stCxn id="3" idx="3"/>
+            <a:endCxn id="4" idx="1"/>
+          </p:cNvCxnSpPr>
+          <p:nvPr/>
+        </p:nvCxnSpPr>
+        <p:spPr>
+          <a:xfrm>
+            <a:off x="2270234" y="2702802"/>
+            <a:ext cx="1389011" cy="1213943"/>
+          </a:xfrm>
+          <a:prstGeom prst="bentConnector3">
+            <a:avLst>
+              <a:gd name="adj1" fmla="val 38685"/>
+            </a:avLst>
+          </a:prstGeom>
+          <a:ln w="19050">
+            <a:solidFill>
+              <a:schemeClr val="tx1"/>
+            </a:solidFill>
+            <a:tailEnd type="triangle"/>
+          </a:ln>
+        </p:spPr>
+        <p:style>
+          <a:lnRef idx="1">
+            <a:schemeClr val="accent1"/>
+          </a:lnRef>
+          <a:fillRef idx="0">
+            <a:schemeClr val="accent1"/>
+          </a:fillRef>
+          <a:effectRef idx="0">
+            <a:schemeClr val="accent1"/>
+          </a:effectRef>
+          <a:fontRef idx="minor">
+            <a:schemeClr val="tx1"/>
+          </a:fontRef>
+        </p:style>
+      </p:cxnSp>
+    </p:spTree>
+    <p:extLst>
+      <p:ext uri="{BB962C8B-B14F-4D97-AF65-F5344CB8AC3E}">
+        <p14:creationId xmlns:p14="http://schemas.microsoft.com/office/powerpoint/2010/main" val="3135944310"/>
       </p:ext>
     </p:extLst>
   </p:cSld>

--- a/document/object_flowmap.pptx
+++ b/document/object_flowmap.pptx
@@ -260,7 +260,7 @@
           <a:p>
             <a:fld id="{BB02760B-A792-45D8-86DC-10AAE5A41FC0}" type="datetimeFigureOut">
               <a:rPr lang="ko-KR" altLang="en-US" smtClean="0"/>
-              <a:t>2024-09-17</a:t>
+              <a:t>2024-12-01</a:t>
             </a:fld>
             <a:endParaRPr lang="ko-KR" altLang="en-US"/>
           </a:p>
@@ -458,7 +458,7 @@
           <a:p>
             <a:fld id="{BB02760B-A792-45D8-86DC-10AAE5A41FC0}" type="datetimeFigureOut">
               <a:rPr lang="ko-KR" altLang="en-US" smtClean="0"/>
-              <a:t>2024-09-17</a:t>
+              <a:t>2024-12-01</a:t>
             </a:fld>
             <a:endParaRPr lang="ko-KR" altLang="en-US"/>
           </a:p>
@@ -666,7 +666,7 @@
           <a:p>
             <a:fld id="{BB02760B-A792-45D8-86DC-10AAE5A41FC0}" type="datetimeFigureOut">
               <a:rPr lang="ko-KR" altLang="en-US" smtClean="0"/>
-              <a:t>2024-09-17</a:t>
+              <a:t>2024-12-01</a:t>
             </a:fld>
             <a:endParaRPr lang="ko-KR" altLang="en-US"/>
           </a:p>
@@ -864,7 +864,7 @@
           <a:p>
             <a:fld id="{BB02760B-A792-45D8-86DC-10AAE5A41FC0}" type="datetimeFigureOut">
               <a:rPr lang="ko-KR" altLang="en-US" smtClean="0"/>
-              <a:t>2024-09-17</a:t>
+              <a:t>2024-12-01</a:t>
             </a:fld>
             <a:endParaRPr lang="ko-KR" altLang="en-US"/>
           </a:p>
@@ -1139,7 +1139,7 @@
           <a:p>
             <a:fld id="{BB02760B-A792-45D8-86DC-10AAE5A41FC0}" type="datetimeFigureOut">
               <a:rPr lang="ko-KR" altLang="en-US" smtClean="0"/>
-              <a:t>2024-09-17</a:t>
+              <a:t>2024-12-01</a:t>
             </a:fld>
             <a:endParaRPr lang="ko-KR" altLang="en-US"/>
           </a:p>
@@ -1404,7 +1404,7 @@
           <a:p>
             <a:fld id="{BB02760B-A792-45D8-86DC-10AAE5A41FC0}" type="datetimeFigureOut">
               <a:rPr lang="ko-KR" altLang="en-US" smtClean="0"/>
-              <a:t>2024-09-17</a:t>
+              <a:t>2024-12-01</a:t>
             </a:fld>
             <a:endParaRPr lang="ko-KR" altLang="en-US"/>
           </a:p>
@@ -1816,7 +1816,7 @@
           <a:p>
             <a:fld id="{BB02760B-A792-45D8-86DC-10AAE5A41FC0}" type="datetimeFigureOut">
               <a:rPr lang="ko-KR" altLang="en-US" smtClean="0"/>
-              <a:t>2024-09-17</a:t>
+              <a:t>2024-12-01</a:t>
             </a:fld>
             <a:endParaRPr lang="ko-KR" altLang="en-US"/>
           </a:p>
@@ -1957,7 +1957,7 @@
           <a:p>
             <a:fld id="{BB02760B-A792-45D8-86DC-10AAE5A41FC0}" type="datetimeFigureOut">
               <a:rPr lang="ko-KR" altLang="en-US" smtClean="0"/>
-              <a:t>2024-09-17</a:t>
+              <a:t>2024-12-01</a:t>
             </a:fld>
             <a:endParaRPr lang="ko-KR" altLang="en-US"/>
           </a:p>
@@ -2070,7 +2070,7 @@
           <a:p>
             <a:fld id="{BB02760B-A792-45D8-86DC-10AAE5A41FC0}" type="datetimeFigureOut">
               <a:rPr lang="ko-KR" altLang="en-US" smtClean="0"/>
-              <a:t>2024-09-17</a:t>
+              <a:t>2024-12-01</a:t>
             </a:fld>
             <a:endParaRPr lang="ko-KR" altLang="en-US"/>
           </a:p>
@@ -2381,7 +2381,7 @@
           <a:p>
             <a:fld id="{BB02760B-A792-45D8-86DC-10AAE5A41FC0}" type="datetimeFigureOut">
               <a:rPr lang="ko-KR" altLang="en-US" smtClean="0"/>
-              <a:t>2024-09-17</a:t>
+              <a:t>2024-12-01</a:t>
             </a:fld>
             <a:endParaRPr lang="ko-KR" altLang="en-US"/>
           </a:p>
@@ -2669,7 +2669,7 @@
           <a:p>
             <a:fld id="{BB02760B-A792-45D8-86DC-10AAE5A41FC0}" type="datetimeFigureOut">
               <a:rPr lang="ko-KR" altLang="en-US" smtClean="0"/>
-              <a:t>2024-09-17</a:t>
+              <a:t>2024-12-01</a:t>
             </a:fld>
             <a:endParaRPr lang="ko-KR" altLang="en-US"/>
           </a:p>
@@ -2910,7 +2910,7 @@
           <a:p>
             <a:fld id="{BB02760B-A792-45D8-86DC-10AAE5A41FC0}" type="datetimeFigureOut">
               <a:rPr lang="ko-KR" altLang="en-US" smtClean="0"/>
-              <a:t>2024-09-17</a:t>
+              <a:t>2024-12-01</a:t>
             </a:fld>
             <a:endParaRPr lang="ko-KR" altLang="en-US"/>
           </a:p>
